--- a/2ANSETAT.pptx
+++ b/2ANSETAT.pptx
@@ -5,10 +5,10 @@
     <p:sldMasterId id="2147483648" r:id="rId1"/>
   </p:sldMasterIdLst>
   <p:notesMasterIdLst>
-    <p:notesMasterId r:id="rId8"/>
+    <p:notesMasterId r:id="rId9"/>
   </p:notesMasterIdLst>
   <p:handoutMasterIdLst>
-    <p:handoutMasterId r:id="rId9"/>
+    <p:handoutMasterId r:id="rId10"/>
   </p:handoutMasterIdLst>
   <p:sldIdLst>
     <p:sldId id="256" r:id="rId2"/>
@@ -17,6 +17,7 @@
     <p:sldId id="360" r:id="rId5"/>
     <p:sldId id="417" r:id="rId6"/>
     <p:sldId id="418" r:id="rId7"/>
+    <p:sldId id="420" r:id="rId8"/>
   </p:sldIdLst>
   <p:sldSz cx="4610100" cy="3460750"/>
   <p:notesSz cx="4610100" cy="3460750"/>
@@ -216,7 +217,7 @@
           <a:p>
             <a:fld id="{6A4A2050-623C-4E71-A1DF-534AA49173E2}" type="datetimeFigureOut">
               <a:rPr lang="en-US" smtClean="0"/>
-              <a:t>10/12/2025</a:t>
+              <a:t>11/25/2025</a:t>
             </a:fld>
             <a:endParaRPr lang="en-US"/>
           </a:p>
@@ -382,7 +383,7 @@
           <a:p>
             <a:fld id="{B8ABE28C-12E3-46B5-BAA0-2B2A1F6FCB59}" type="datetimeFigureOut">
               <a:rPr lang="en-US" smtClean="0"/>
-              <a:t>10/12/2025</a:t>
+              <a:t>11/25/2025</a:t>
             </a:fld>
             <a:endParaRPr lang="en-US"/>
           </a:p>
@@ -1329,6 +1330,141 @@
     <p:extLst>
       <p:ext uri="{BB962C8B-B14F-4D97-AF65-F5344CB8AC3E}">
         <p14:creationId xmlns:p14="http://schemas.microsoft.com/office/powerpoint/2010/main" val="2350036620"/>
+      </p:ext>
+    </p:extLst>
+  </p:cSld>
+  <p:clrMapOvr>
+    <a:masterClrMapping/>
+  </p:clrMapOvr>
+</p:notes>
+</file>
+
+<file path=ppt/notesSlides/notesSlide7.xml><?xml version="1.0" encoding="utf-8"?>
+<p:notes xmlns:a="http://schemas.openxmlformats.org/drawingml/2006/main" xmlns:r="http://schemas.openxmlformats.org/officeDocument/2006/relationships" xmlns:p="http://schemas.openxmlformats.org/presentationml/2006/main">
+  <p:cSld>
+    <p:spTree>
+      <p:nvGrpSpPr>
+        <p:cNvPr id="1" name="">
+          <a:extLst>
+            <a:ext uri="{FF2B5EF4-FFF2-40B4-BE49-F238E27FC236}">
+              <a16:creationId xmlns:a16="http://schemas.microsoft.com/office/drawing/2014/main" id="{C7CA50C8-193F-3C46-0DDA-685D485C5A05}"/>
+            </a:ext>
+          </a:extLst>
+        </p:cNvPr>
+        <p:cNvGrpSpPr/>
+        <p:nvPr/>
+      </p:nvGrpSpPr>
+      <p:grpSpPr>
+        <a:xfrm>
+          <a:off x="0" y="0"/>
+          <a:ext cx="0" cy="0"/>
+          <a:chOff x="0" y="0"/>
+          <a:chExt cx="0" cy="0"/>
+        </a:xfrm>
+      </p:grpSpPr>
+      <p:sp>
+        <p:nvSpPr>
+          <p:cNvPr id="2" name="Slide Image Placeholder 1">
+            <a:extLst>
+              <a:ext uri="{FF2B5EF4-FFF2-40B4-BE49-F238E27FC236}">
+                <a16:creationId xmlns:a16="http://schemas.microsoft.com/office/drawing/2014/main" id="{08F84571-9750-6E68-15BB-670FF3F56312}"/>
+              </a:ext>
+            </a:extLst>
+          </p:cNvPr>
+          <p:cNvSpPr>
+            <a:spLocks noGrp="1" noRot="1" noChangeAspect="1"/>
+          </p:cNvSpPr>
+          <p:nvPr>
+            <p:ph type="sldImg"/>
+          </p:nvPr>
+        </p:nvSpPr>
+        <p:spPr/>
+      </p:sp>
+      <p:sp>
+        <p:nvSpPr>
+          <p:cNvPr id="3" name="Notes Placeholder 2">
+            <a:extLst>
+              <a:ext uri="{FF2B5EF4-FFF2-40B4-BE49-F238E27FC236}">
+                <a16:creationId xmlns:a16="http://schemas.microsoft.com/office/drawing/2014/main" id="{25EA0579-2A4E-201C-1220-EFE217EA970A}"/>
+              </a:ext>
+            </a:extLst>
+          </p:cNvPr>
+          <p:cNvSpPr>
+            <a:spLocks noGrp="1"/>
+          </p:cNvSpPr>
+          <p:nvPr>
+            <p:ph type="body" idx="1"/>
+          </p:nvPr>
+        </p:nvSpPr>
+        <p:spPr/>
+        <p:txBody>
+          <a:bodyPr/>
+          <a:lstStyle/>
+          <a:p>
+            <a:pPr marL="285750" marR="0" lvl="0" indent="-285750" algn="just" defTabSz="914400" rtl="0" eaLnBrk="1" fontAlgn="auto" latinLnBrk="0" hangingPunct="1">
+              <a:lnSpc>
+                <a:spcPct val="100000"/>
+              </a:lnSpc>
+              <a:spcBef>
+                <a:spcPts val="0"/>
+              </a:spcBef>
+              <a:spcAft>
+                <a:spcPts val="0"/>
+              </a:spcAft>
+              <a:buClrTx/>
+              <a:buSzTx/>
+              <a:buFont typeface="Arial" panose="020B0604020202020204" pitchFamily="34" charset="0"/>
+              <a:buChar char="•"/>
+              <a:tabLst/>
+              <a:defRPr/>
+            </a:pPr>
+            <a:endParaRPr kumimoji="0" lang="fr-FR" altLang="en-US" sz="1400" b="1" i="0" u="none" strike="noStrike" cap="none" normalizeH="0" baseline="0" dirty="0">
+              <a:ln>
+                <a:noFill/>
+              </a:ln>
+              <a:solidFill>
+                <a:srgbClr val="124E6E"/>
+              </a:solidFill>
+              <a:effectLst/>
+              <a:latin typeface="Times New Roman" panose="02020603050405020304" pitchFamily="18" charset="0"/>
+              <a:cs typeface="Times New Roman" panose="02020603050405020304" pitchFamily="18" charset="0"/>
+            </a:endParaRPr>
+          </a:p>
+        </p:txBody>
+      </p:sp>
+      <p:sp>
+        <p:nvSpPr>
+          <p:cNvPr id="4" name="Slide Number Placeholder 3">
+            <a:extLst>
+              <a:ext uri="{FF2B5EF4-FFF2-40B4-BE49-F238E27FC236}">
+                <a16:creationId xmlns:a16="http://schemas.microsoft.com/office/drawing/2014/main" id="{7142FE28-B941-E3D2-17BD-38041C93D025}"/>
+              </a:ext>
+            </a:extLst>
+          </p:cNvPr>
+          <p:cNvSpPr>
+            <a:spLocks noGrp="1"/>
+          </p:cNvSpPr>
+          <p:nvPr>
+            <p:ph type="sldNum" sz="quarter" idx="10"/>
+          </p:nvPr>
+        </p:nvSpPr>
+        <p:spPr/>
+        <p:txBody>
+          <a:bodyPr/>
+          <a:lstStyle/>
+          <a:p>
+            <a:fld id="{877BF8E2-207B-4138-9F7A-74EC982BFB27}" type="slidenum">
+              <a:rPr lang="en-US" smtClean="0"/>
+              <a:t>7</a:t>
+            </a:fld>
+            <a:endParaRPr lang="en-US"/>
+          </a:p>
+        </p:txBody>
+      </p:sp>
+    </p:spTree>
+    <p:extLst>
+      <p:ext uri="{BB962C8B-B14F-4D97-AF65-F5344CB8AC3E}">
+        <p14:creationId xmlns:p14="http://schemas.microsoft.com/office/powerpoint/2010/main" val="1175657431"/>
       </p:ext>
     </p:extLst>
   </p:cSld>
@@ -9138,6 +9274,755 @@
 </p:sld>
 </file>
 
+<file path=ppt/slides/slide7.xml><?xml version="1.0" encoding="utf-8"?>
+<p:sld xmlns:a="http://schemas.openxmlformats.org/drawingml/2006/main" xmlns:r="http://schemas.openxmlformats.org/officeDocument/2006/relationships" xmlns:p="http://schemas.openxmlformats.org/presentationml/2006/main">
+  <p:cSld>
+    <p:spTree>
+      <p:nvGrpSpPr>
+        <p:cNvPr id="1" name="">
+          <a:extLst>
+            <a:ext uri="{FF2B5EF4-FFF2-40B4-BE49-F238E27FC236}">
+              <a16:creationId xmlns:a16="http://schemas.microsoft.com/office/drawing/2014/main" id="{BDB10E0A-37EC-4BB4-5398-16273EB83F13}"/>
+            </a:ext>
+          </a:extLst>
+        </p:cNvPr>
+        <p:cNvGrpSpPr/>
+        <p:nvPr/>
+      </p:nvGrpSpPr>
+      <p:grpSpPr>
+        <a:xfrm>
+          <a:off x="0" y="0"/>
+          <a:ext cx="0" cy="0"/>
+          <a:chOff x="0" y="0"/>
+          <a:chExt cx="0" cy="0"/>
+        </a:xfrm>
+      </p:grpSpPr>
+      <p:sp>
+        <p:nvSpPr>
+          <p:cNvPr id="2" name="object 2">
+            <a:extLst>
+              <a:ext uri="{FF2B5EF4-FFF2-40B4-BE49-F238E27FC236}">
+                <a16:creationId xmlns:a16="http://schemas.microsoft.com/office/drawing/2014/main" id="{B6F0B7E0-64C7-11EA-8472-092784F98A44}"/>
+              </a:ext>
+            </a:extLst>
+          </p:cNvPr>
+          <p:cNvSpPr/>
+          <p:nvPr/>
+        </p:nvSpPr>
+        <p:spPr>
+          <a:xfrm>
+            <a:off x="1" y="0"/>
+            <a:ext cx="4610099" cy="358775"/>
+          </a:xfrm>
+          <a:custGeom>
+            <a:avLst/>
+            <a:gdLst/>
+            <a:ahLst/>
+            <a:cxnLst/>
+            <a:rect l="l" t="t" r="r" b="b"/>
+            <a:pathLst>
+              <a:path w="2304415" h="135890">
+                <a:moveTo>
+                  <a:pt x="2303995" y="0"/>
+                </a:moveTo>
+                <a:lnTo>
+                  <a:pt x="0" y="0"/>
+                </a:lnTo>
+                <a:lnTo>
+                  <a:pt x="0" y="135648"/>
+                </a:lnTo>
+                <a:lnTo>
+                  <a:pt x="2303995" y="135648"/>
+                </a:lnTo>
+                <a:lnTo>
+                  <a:pt x="2303995" y="0"/>
+                </a:lnTo>
+                <a:close/>
+              </a:path>
+            </a:pathLst>
+          </a:custGeom>
+          <a:solidFill>
+            <a:srgbClr val="124E6E"/>
+          </a:solidFill>
+        </p:spPr>
+        <p:txBody>
+          <a:bodyPr wrap="square" lIns="0" tIns="0" rIns="0" bIns="0" rtlCol="0"/>
+          <a:lstStyle/>
+          <a:p>
+            <a:endParaRPr dirty="0"/>
+          </a:p>
+        </p:txBody>
+      </p:sp>
+      <p:grpSp>
+        <p:nvGrpSpPr>
+          <p:cNvPr id="8" name="object 8">
+            <a:extLst>
+              <a:ext uri="{FF2B5EF4-FFF2-40B4-BE49-F238E27FC236}">
+                <a16:creationId xmlns:a16="http://schemas.microsoft.com/office/drawing/2014/main" id="{C3892B3A-15B6-208A-8D11-C000758E6C52}"/>
+              </a:ext>
+            </a:extLst>
+          </p:cNvPr>
+          <p:cNvGrpSpPr/>
+          <p:nvPr/>
+        </p:nvGrpSpPr>
+        <p:grpSpPr>
+          <a:xfrm>
+            <a:off x="0" y="3349777"/>
+            <a:ext cx="4608195" cy="106680"/>
+            <a:chOff x="0" y="3349777"/>
+            <a:chExt cx="4608195" cy="106680"/>
+          </a:xfrm>
+        </p:grpSpPr>
+        <p:sp>
+          <p:nvSpPr>
+            <p:cNvPr id="9" name="object 9">
+              <a:extLst>
+                <a:ext uri="{FF2B5EF4-FFF2-40B4-BE49-F238E27FC236}">
+                  <a16:creationId xmlns:a16="http://schemas.microsoft.com/office/drawing/2014/main" id="{FF5D5A4B-FC43-3443-033B-944C3DF42975}"/>
+                </a:ext>
+              </a:extLst>
+            </p:cNvPr>
+            <p:cNvSpPr/>
+            <p:nvPr/>
+          </p:nvSpPr>
+          <p:spPr>
+            <a:xfrm>
+              <a:off x="0" y="3349777"/>
+              <a:ext cx="1536065" cy="106680"/>
+            </a:xfrm>
+            <a:custGeom>
+              <a:avLst/>
+              <a:gdLst/>
+              <a:ahLst/>
+              <a:cxnLst/>
+              <a:rect l="l" t="t" r="r" b="b"/>
+              <a:pathLst>
+                <a:path w="1536065" h="106679">
+                  <a:moveTo>
+                    <a:pt x="1535976" y="0"/>
+                  </a:moveTo>
+                  <a:lnTo>
+                    <a:pt x="0" y="0"/>
+                  </a:lnTo>
+                  <a:lnTo>
+                    <a:pt x="0" y="106222"/>
+                  </a:lnTo>
+                  <a:lnTo>
+                    <a:pt x="1535976" y="106222"/>
+                  </a:lnTo>
+                  <a:lnTo>
+                    <a:pt x="1535976" y="0"/>
+                  </a:lnTo>
+                  <a:close/>
+                </a:path>
+              </a:pathLst>
+            </a:custGeom>
+            <a:solidFill>
+              <a:srgbClr val="124E6E"/>
+            </a:solidFill>
+          </p:spPr>
+          <p:txBody>
+            <a:bodyPr wrap="square" lIns="0" tIns="0" rIns="0" bIns="0" rtlCol="0"/>
+            <a:lstStyle/>
+            <a:p>
+              <a:endParaRPr/>
+            </a:p>
+          </p:txBody>
+        </p:sp>
+        <p:sp>
+          <p:nvSpPr>
+            <p:cNvPr id="10" name="object 10">
+              <a:extLst>
+                <a:ext uri="{FF2B5EF4-FFF2-40B4-BE49-F238E27FC236}">
+                  <a16:creationId xmlns:a16="http://schemas.microsoft.com/office/drawing/2014/main" id="{1592D600-2565-28BA-1F4D-D3CA8671E964}"/>
+                </a:ext>
+              </a:extLst>
+            </p:cNvPr>
+            <p:cNvSpPr/>
+            <p:nvPr/>
+          </p:nvSpPr>
+          <p:spPr>
+            <a:xfrm>
+              <a:off x="1535976" y="3349777"/>
+              <a:ext cx="1536065" cy="106680"/>
+            </a:xfrm>
+            <a:custGeom>
+              <a:avLst/>
+              <a:gdLst/>
+              <a:ahLst/>
+              <a:cxnLst/>
+              <a:rect l="l" t="t" r="r" b="b"/>
+              <a:pathLst>
+                <a:path w="1536064" h="106679">
+                  <a:moveTo>
+                    <a:pt x="1535976" y="0"/>
+                  </a:moveTo>
+                  <a:lnTo>
+                    <a:pt x="0" y="0"/>
+                  </a:lnTo>
+                  <a:lnTo>
+                    <a:pt x="0" y="106222"/>
+                  </a:lnTo>
+                  <a:lnTo>
+                    <a:pt x="1535976" y="106222"/>
+                  </a:lnTo>
+                  <a:lnTo>
+                    <a:pt x="1535976" y="0"/>
+                  </a:lnTo>
+                  <a:close/>
+                </a:path>
+              </a:pathLst>
+            </a:custGeom>
+            <a:solidFill>
+              <a:srgbClr val="1B75A6"/>
+            </a:solidFill>
+          </p:spPr>
+          <p:txBody>
+            <a:bodyPr wrap="square" lIns="0" tIns="0" rIns="0" bIns="0" rtlCol="0"/>
+            <a:lstStyle/>
+            <a:p>
+              <a:endParaRPr/>
+            </a:p>
+          </p:txBody>
+        </p:sp>
+        <p:sp>
+          <p:nvSpPr>
+            <p:cNvPr id="11" name="object 11">
+              <a:extLst>
+                <a:ext uri="{FF2B5EF4-FFF2-40B4-BE49-F238E27FC236}">
+                  <a16:creationId xmlns:a16="http://schemas.microsoft.com/office/drawing/2014/main" id="{D3EA38E2-49E8-1F52-3093-58B399972378}"/>
+                </a:ext>
+              </a:extLst>
+            </p:cNvPr>
+            <p:cNvSpPr/>
+            <p:nvPr/>
+          </p:nvSpPr>
+          <p:spPr>
+            <a:xfrm>
+              <a:off x="3071952" y="3349777"/>
+              <a:ext cx="1536065" cy="106680"/>
+            </a:xfrm>
+            <a:custGeom>
+              <a:avLst/>
+              <a:gdLst/>
+              <a:ahLst/>
+              <a:cxnLst/>
+              <a:rect l="l" t="t" r="r" b="b"/>
+              <a:pathLst>
+                <a:path w="1536064" h="106679">
+                  <a:moveTo>
+                    <a:pt x="1535976" y="0"/>
+                  </a:moveTo>
+                  <a:lnTo>
+                    <a:pt x="0" y="0"/>
+                  </a:lnTo>
+                  <a:lnTo>
+                    <a:pt x="0" y="106222"/>
+                  </a:lnTo>
+                  <a:lnTo>
+                    <a:pt x="1535976" y="106222"/>
+                  </a:lnTo>
+                  <a:lnTo>
+                    <a:pt x="1535976" y="0"/>
+                  </a:lnTo>
+                  <a:close/>
+                </a:path>
+              </a:pathLst>
+            </a:custGeom>
+            <a:solidFill>
+              <a:srgbClr val="259DDE"/>
+            </a:solidFill>
+          </p:spPr>
+          <p:txBody>
+            <a:bodyPr wrap="square" lIns="0" tIns="0" rIns="0" bIns="0" rtlCol="0"/>
+            <a:lstStyle/>
+            <a:p>
+              <a:endParaRPr/>
+            </a:p>
+          </p:txBody>
+        </p:sp>
+      </p:grpSp>
+      <p:sp>
+        <p:nvSpPr>
+          <p:cNvPr id="12" name="object 12">
+            <a:extLst>
+              <a:ext uri="{FF2B5EF4-FFF2-40B4-BE49-F238E27FC236}">
+                <a16:creationId xmlns:a16="http://schemas.microsoft.com/office/drawing/2014/main" id="{D2061289-5DB2-ED0B-D173-A6D869F1A979}"/>
+              </a:ext>
+            </a:extLst>
+          </p:cNvPr>
+          <p:cNvSpPr txBox="1">
+            <a:spLocks noGrp="1"/>
+          </p:cNvSpPr>
+          <p:nvPr>
+            <p:ph type="ftr" sz="quarter" idx="5"/>
+          </p:nvPr>
+        </p:nvSpPr>
+        <p:spPr>
+          <a:xfrm>
+            <a:off x="28765" y="3353673"/>
+            <a:ext cx="1478915" cy="91051"/>
+          </a:xfrm>
+          <a:prstGeom prst="rect">
+            <a:avLst/>
+          </a:prstGeom>
+        </p:spPr>
+        <p:txBody>
+          <a:bodyPr vert="horz" wrap="square" lIns="0" tIns="0" rIns="0" bIns="0" rtlCol="0">
+            <a:spAutoFit/>
+          </a:bodyPr>
+          <a:lstStyle/>
+          <a:p>
+            <a:pPr marL="12700" algn="ctr">
+              <a:lnSpc>
+                <a:spcPts val="670"/>
+              </a:lnSpc>
+            </a:pPr>
+            <a:r>
+              <a:rPr lang="fr-FR" sz="700" b="1" spc="130" dirty="0" err="1">
+                <a:latin typeface="Bahnschrift SemiBold Condensed" panose="020B0502040204020203" pitchFamily="34" charset="0"/>
+                <a:cs typeface="Times New Roman" panose="02020603050405020304" pitchFamily="18" charset="0"/>
+              </a:rPr>
+              <a:t>Israe</a:t>
+            </a:r>
+            <a:r>
+              <a:rPr lang="fr-FR" sz="700" b="1" spc="130" dirty="0">
+                <a:latin typeface="Bahnschrift SemiBold Condensed" panose="020B0502040204020203" pitchFamily="34" charset="0"/>
+                <a:cs typeface="Times New Roman" panose="02020603050405020304" pitchFamily="18" charset="0"/>
+              </a:rPr>
+              <a:t> EL GHIZI</a:t>
+            </a:r>
+            <a:endParaRPr sz="700" b="1" spc="80" dirty="0">
+              <a:latin typeface="Bahnschrift SemiBold Condensed" panose="020B0502040204020203" pitchFamily="34" charset="0"/>
+              <a:cs typeface="Times New Roman" panose="02020603050405020304" pitchFamily="18" charset="0"/>
+            </a:endParaRPr>
+          </a:p>
+        </p:txBody>
+      </p:sp>
+      <p:sp>
+        <p:nvSpPr>
+          <p:cNvPr id="13" name="object 13">
+            <a:extLst>
+              <a:ext uri="{FF2B5EF4-FFF2-40B4-BE49-F238E27FC236}">
+                <a16:creationId xmlns:a16="http://schemas.microsoft.com/office/drawing/2014/main" id="{BF1823C7-0512-626E-A6DC-36F56149F23A}"/>
+              </a:ext>
+            </a:extLst>
+          </p:cNvPr>
+          <p:cNvSpPr txBox="1"/>
+          <p:nvPr/>
+        </p:nvSpPr>
+        <p:spPr>
+          <a:xfrm>
+            <a:off x="2083485" y="3353673"/>
+            <a:ext cx="441325" cy="89768"/>
+          </a:xfrm>
+          <a:prstGeom prst="rect">
+            <a:avLst/>
+          </a:prstGeom>
+        </p:spPr>
+        <p:txBody>
+          <a:bodyPr vert="horz" wrap="square" lIns="0" tIns="0" rIns="0" bIns="0" rtlCol="0">
+            <a:spAutoFit/>
+          </a:bodyPr>
+          <a:lstStyle/>
+          <a:p>
+            <a:pPr marL="12700">
+              <a:lnSpc>
+                <a:spcPts val="670"/>
+              </a:lnSpc>
+            </a:pPr>
+            <a:r>
+              <a:rPr lang="fr-FR" sz="600" dirty="0">
+                <a:solidFill>
+                  <a:schemeClr val="bg1"/>
+                </a:solidFill>
+                <a:latin typeface="Bahnschrift SemiBold" panose="020B0502040204020203" pitchFamily="34" charset="0"/>
+                <a:cs typeface="Calibri"/>
+              </a:rPr>
+              <a:t>Master ID</a:t>
+            </a:r>
+            <a:endParaRPr sz="600" dirty="0">
+              <a:solidFill>
+                <a:schemeClr val="bg1"/>
+              </a:solidFill>
+              <a:latin typeface="Bahnschrift SemiBold" panose="020B0502040204020203" pitchFamily="34" charset="0"/>
+              <a:cs typeface="Calibri"/>
+            </a:endParaRPr>
+          </a:p>
+        </p:txBody>
+      </p:sp>
+      <p:sp>
+        <p:nvSpPr>
+          <p:cNvPr id="14" name="object 14">
+            <a:extLst>
+              <a:ext uri="{FF2B5EF4-FFF2-40B4-BE49-F238E27FC236}">
+                <a16:creationId xmlns:a16="http://schemas.microsoft.com/office/drawing/2014/main" id="{7A5E5B9B-A581-D6E9-8354-4C536E45D73B}"/>
+              </a:ext>
+            </a:extLst>
+          </p:cNvPr>
+          <p:cNvSpPr txBox="1">
+            <a:spLocks noGrp="1"/>
+          </p:cNvSpPr>
+          <p:nvPr>
+            <p:ph type="dt" sz="half" idx="6"/>
+          </p:nvPr>
+        </p:nvSpPr>
+        <p:spPr>
+          <a:xfrm>
+            <a:off x="3415893" y="3353673"/>
+            <a:ext cx="585470" cy="89768"/>
+          </a:xfrm>
+          <a:prstGeom prst="rect">
+            <a:avLst/>
+          </a:prstGeom>
+        </p:spPr>
+        <p:txBody>
+          <a:bodyPr vert="horz" wrap="square" lIns="0" tIns="0" rIns="0" bIns="0" rtlCol="0">
+            <a:spAutoFit/>
+          </a:bodyPr>
+          <a:lstStyle/>
+          <a:p>
+            <a:pPr marL="12700">
+              <a:lnSpc>
+                <a:spcPts val="670"/>
+              </a:lnSpc>
+            </a:pPr>
+            <a:r>
+              <a:rPr lang="en-US" spc="75" dirty="0">
+                <a:latin typeface="Bahnschrift SemiBold Condensed" panose="020B0502040204020203" pitchFamily="34" charset="0"/>
+              </a:rPr>
+              <a:t> 01/07/2024</a:t>
+            </a:r>
+            <a:endParaRPr spc="60" dirty="0">
+              <a:latin typeface="Bahnschrift SemiBold Condensed" panose="020B0502040204020203" pitchFamily="34" charset="0"/>
+            </a:endParaRPr>
+          </a:p>
+        </p:txBody>
+      </p:sp>
+      <p:sp>
+        <p:nvSpPr>
+          <p:cNvPr id="16" name="object 2">
+            <a:extLst>
+              <a:ext uri="{FF2B5EF4-FFF2-40B4-BE49-F238E27FC236}">
+                <a16:creationId xmlns:a16="http://schemas.microsoft.com/office/drawing/2014/main" id="{9981C70B-1FE9-3E3C-A9C9-A428522EF852}"/>
+              </a:ext>
+            </a:extLst>
+          </p:cNvPr>
+          <p:cNvSpPr/>
+          <p:nvPr/>
+        </p:nvSpPr>
+        <p:spPr>
+          <a:xfrm>
+            <a:off x="2228850" y="0"/>
+            <a:ext cx="2379560" cy="355964"/>
+          </a:xfrm>
+          <a:custGeom>
+            <a:avLst/>
+            <a:gdLst/>
+            <a:ahLst/>
+            <a:cxnLst/>
+            <a:rect l="l" t="t" r="r" b="b"/>
+            <a:pathLst>
+              <a:path w="2304415" h="135890">
+                <a:moveTo>
+                  <a:pt x="2303995" y="0"/>
+                </a:moveTo>
+                <a:lnTo>
+                  <a:pt x="0" y="0"/>
+                </a:lnTo>
+                <a:lnTo>
+                  <a:pt x="0" y="135648"/>
+                </a:lnTo>
+                <a:lnTo>
+                  <a:pt x="2303995" y="135648"/>
+                </a:lnTo>
+                <a:lnTo>
+                  <a:pt x="2303995" y="0"/>
+                </a:lnTo>
+                <a:close/>
+              </a:path>
+            </a:pathLst>
+          </a:custGeom>
+          <a:solidFill>
+            <a:srgbClr val="1088BC"/>
+          </a:solidFill>
+        </p:spPr>
+        <p:txBody>
+          <a:bodyPr wrap="square" lIns="0" tIns="0" rIns="0" bIns="0" rtlCol="0"/>
+          <a:lstStyle/>
+          <a:p>
+            <a:endParaRPr/>
+          </a:p>
+        </p:txBody>
+      </p:sp>
+      <p:sp>
+        <p:nvSpPr>
+          <p:cNvPr id="20" name="Slide Number Placeholder 19">
+            <a:extLst>
+              <a:ext uri="{FF2B5EF4-FFF2-40B4-BE49-F238E27FC236}">
+                <a16:creationId xmlns:a16="http://schemas.microsoft.com/office/drawing/2014/main" id="{5AA4EDA9-D620-C0D3-719A-93409C5621AC}"/>
+              </a:ext>
+            </a:extLst>
+          </p:cNvPr>
+          <p:cNvSpPr>
+            <a:spLocks noGrp="1"/>
+          </p:cNvSpPr>
+          <p:nvPr>
+            <p:ph type="sldNum" sz="quarter" idx="7"/>
+          </p:nvPr>
+        </p:nvSpPr>
+        <p:spPr>
+          <a:xfrm>
+            <a:off x="4241362" y="3353673"/>
+            <a:ext cx="352425" cy="89768"/>
+          </a:xfrm>
+        </p:spPr>
+        <p:txBody>
+          <a:bodyPr/>
+          <a:lstStyle/>
+          <a:p>
+            <a:pPr marL="38100">
+              <a:lnSpc>
+                <a:spcPts val="670"/>
+              </a:lnSpc>
+            </a:pPr>
+            <a:fld id="{81D60167-4931-47E6-BA6A-407CBD079E47}" type="slidenum">
+              <a:rPr lang="en-US" spc="60" smtClean="0"/>
+              <a:t>7</a:t>
+            </a:fld>
+            <a:r>
+              <a:rPr lang="en-US" spc="-15" dirty="0"/>
+              <a:t> </a:t>
+            </a:r>
+            <a:r>
+              <a:rPr lang="en-US" spc="130" dirty="0"/>
+              <a:t>/</a:t>
+            </a:r>
+            <a:r>
+              <a:rPr lang="en-US" spc="-15" dirty="0"/>
+              <a:t> </a:t>
+            </a:r>
+            <a:r>
+              <a:rPr lang="en-US" spc="60" dirty="0"/>
+              <a:t>33</a:t>
+            </a:r>
+          </a:p>
+        </p:txBody>
+      </p:sp>
+      <p:sp>
+        <p:nvSpPr>
+          <p:cNvPr id="3" name="TextBox 5">
+            <a:extLst>
+              <a:ext uri="{FF2B5EF4-FFF2-40B4-BE49-F238E27FC236}">
+                <a16:creationId xmlns:a16="http://schemas.microsoft.com/office/drawing/2014/main" id="{CC5491CA-90F4-7CF1-846F-76F1A56F0EC7}"/>
+              </a:ext>
+            </a:extLst>
+          </p:cNvPr>
+          <p:cNvSpPr txBox="1"/>
+          <p:nvPr/>
+        </p:nvSpPr>
+        <p:spPr>
+          <a:xfrm>
+            <a:off x="64344" y="-16124"/>
+            <a:ext cx="1783506" cy="646331"/>
+          </a:xfrm>
+          <a:prstGeom prst="rect">
+            <a:avLst/>
+          </a:prstGeom>
+          <a:noFill/>
+        </p:spPr>
+        <p:txBody>
+          <a:bodyPr wrap="square" rtlCol="0">
+            <a:spAutoFit/>
+          </a:bodyPr>
+          <a:lstStyle/>
+          <a:p>
+            <a:r>
+              <a:rPr lang="fr-FR" dirty="0">
+                <a:solidFill>
+                  <a:schemeClr val="bg1"/>
+                </a:solidFill>
+                <a:latin typeface="Sitka Display" pitchFamily="2" charset="0"/>
+                <a:cs typeface="Times New Roman" panose="02020603050405020304" pitchFamily="18" charset="0"/>
+              </a:rPr>
+              <a:t>Travail futur cours</a:t>
+            </a:r>
+          </a:p>
+        </p:txBody>
+      </p:sp>
+      <p:sp>
+        <p:nvSpPr>
+          <p:cNvPr id="5" name="ZoneTexte 4">
+            <a:extLst>
+              <a:ext uri="{FF2B5EF4-FFF2-40B4-BE49-F238E27FC236}">
+                <a16:creationId xmlns:a16="http://schemas.microsoft.com/office/drawing/2014/main" id="{1D938F52-E03E-0C1C-6A4C-4841B3A23B6C}"/>
+              </a:ext>
+            </a:extLst>
+          </p:cNvPr>
+          <p:cNvSpPr txBox="1"/>
+          <p:nvPr/>
+        </p:nvSpPr>
+        <p:spPr>
+          <a:xfrm>
+            <a:off x="851306" y="-5356225"/>
+            <a:ext cx="2977743" cy="2492990"/>
+          </a:xfrm>
+          <a:prstGeom prst="rect">
+            <a:avLst/>
+          </a:prstGeom>
+          <a:noFill/>
+        </p:spPr>
+        <p:txBody>
+          <a:bodyPr wrap="square" rtlCol="0">
+            <a:spAutoFit/>
+          </a:bodyPr>
+          <a:lstStyle/>
+          <a:p>
+            <a:pPr marL="285750" lvl="0" indent="-285750" algn="just">
+              <a:buFont typeface="Arial" panose="020B0604020202020204" pitchFamily="34" charset="0"/>
+              <a:buChar char="•"/>
+              <a:defRPr/>
+            </a:pPr>
+            <a:r>
+              <a:rPr lang="fr-FR" sz="1200" b="1" dirty="0">
+                <a:latin typeface="+mj-lt"/>
+              </a:rPr>
+              <a:t>la rareté, la taille limitée et la difficulté d'étiquetage des bases de données sous forme de graphes disponibles en biologie, ainsi que leur complexité, restreignent l'efficacité et la généralisation de ces algorithmes.</a:t>
+            </a:r>
+          </a:p>
+          <a:p>
+            <a:pPr lvl="0" algn="just">
+              <a:defRPr/>
+            </a:pPr>
+            <a:r>
+              <a:rPr lang="fr-FR" sz="1200" b="1" dirty="0">
+                <a:latin typeface="+mj-lt"/>
+              </a:rPr>
+              <a:t>Pour surmonter ces limitations, l'apprentissage auto-supervisé avec graph neural network se présente comme une solution prometteuse </a:t>
+            </a:r>
+          </a:p>
+          <a:p>
+            <a:pPr lvl="0" algn="just">
+              <a:defRPr/>
+            </a:pPr>
+            <a:r>
+              <a:rPr lang="fr-FR" altLang="en-US" sz="1200" b="1" dirty="0">
+                <a:latin typeface="+mj-lt"/>
+              </a:rPr>
+              <a:t>Examinons de plus près </a:t>
+            </a:r>
+            <a:r>
+              <a:rPr lang="fr-FR" sz="1200" b="1" dirty="0">
+                <a:latin typeface="+mj-lt"/>
+              </a:rPr>
+              <a:t>les GNN</a:t>
+            </a:r>
+            <a:r>
+              <a:rPr lang="fr-FR" altLang="en-US" sz="1200" b="1" dirty="0">
+                <a:latin typeface="+mj-lt"/>
+              </a:rPr>
+              <a:t> </a:t>
+            </a:r>
+            <a:r>
+              <a:rPr lang="fr-FR" sz="1200" b="1" dirty="0">
+                <a:latin typeface="+mj-lt"/>
+              </a:rPr>
+              <a:t>l'apprentissage auto-supervisé</a:t>
+            </a:r>
+            <a:endParaRPr lang="fr-FR" altLang="en-US" sz="1200" b="1" dirty="0">
+              <a:solidFill>
+                <a:srgbClr val="124E6E"/>
+              </a:solidFill>
+              <a:latin typeface="+mj-lt"/>
+              <a:cs typeface="Times New Roman" panose="02020603050405020304" pitchFamily="18" charset="0"/>
+            </a:endParaRPr>
+          </a:p>
+          <a:p>
+            <a:endParaRPr lang="fr-FR" sz="1200" dirty="0">
+              <a:latin typeface="+mj-lt"/>
+            </a:endParaRPr>
+          </a:p>
+        </p:txBody>
+      </p:sp>
+      <p:sp>
+        <p:nvSpPr>
+          <p:cNvPr id="4" name="ZoneTexte 3">
+            <a:extLst>
+              <a:ext uri="{FF2B5EF4-FFF2-40B4-BE49-F238E27FC236}">
+                <a16:creationId xmlns:a16="http://schemas.microsoft.com/office/drawing/2014/main" id="{412C13F8-E66C-252D-2DC4-F210022BB523}"/>
+              </a:ext>
+            </a:extLst>
+          </p:cNvPr>
+          <p:cNvSpPr txBox="1"/>
+          <p:nvPr/>
+        </p:nvSpPr>
+        <p:spPr>
+          <a:xfrm>
+            <a:off x="157716" y="434015"/>
+            <a:ext cx="3690728" cy="369332"/>
+          </a:xfrm>
+          <a:prstGeom prst="rect">
+            <a:avLst/>
+          </a:prstGeom>
+          <a:noFill/>
+        </p:spPr>
+        <p:txBody>
+          <a:bodyPr wrap="square" rtlCol="0">
+            <a:spAutoFit/>
+          </a:bodyPr>
+          <a:lstStyle/>
+          <a:p>
+            <a:r>
+              <a:rPr lang="fr-FR" dirty="0" err="1">
+                <a:solidFill>
+                  <a:srgbClr val="FF0000"/>
+                </a:solidFill>
+              </a:rPr>
+              <a:t>Adding</a:t>
+            </a:r>
+            <a:r>
+              <a:rPr lang="fr-FR" dirty="0">
+                <a:solidFill>
+                  <a:srgbClr val="FF0000"/>
+                </a:solidFill>
+              </a:rPr>
+              <a:t> </a:t>
+            </a:r>
+            <a:r>
+              <a:rPr lang="fr-FR" dirty="0" err="1">
+                <a:solidFill>
+                  <a:srgbClr val="FF0000"/>
+                </a:solidFill>
+              </a:rPr>
+              <a:t>this</a:t>
+            </a:r>
+            <a:r>
+              <a:rPr lang="fr-FR" dirty="0">
+                <a:solidFill>
+                  <a:srgbClr val="FF0000"/>
+                </a:solidFill>
+              </a:rPr>
+              <a:t> diapo</a:t>
+            </a:r>
+          </a:p>
+        </p:txBody>
+      </p:sp>
+    </p:spTree>
+    <p:extLst>
+      <p:ext uri="{BB962C8B-B14F-4D97-AF65-F5344CB8AC3E}">
+        <p14:creationId xmlns:p14="http://schemas.microsoft.com/office/powerpoint/2010/main" val="1361193464"/>
+      </p:ext>
+    </p:extLst>
+  </p:cSld>
+  <p:clrMapOvr>
+    <a:masterClrMapping/>
+  </p:clrMapOvr>
+  <p:transition>
+    <p:cut/>
+  </p:transition>
+</p:sld>
+</file>
+
 <file path=ppt/theme/theme1.xml><?xml version="1.0" encoding="utf-8"?>
 <a:theme xmlns:a="http://schemas.openxmlformats.org/drawingml/2006/main" name="Office Theme">
   <a:themeElements>

--- a/2ANSETAT.pptx
+++ b/2ANSETAT.pptx
@@ -9958,7 +9958,94 @@
         </p:nvSpPr>
         <p:spPr>
           <a:xfrm>
-            <a:off x="157716" y="434015"/>
+            <a:off x="238121" y="1407209"/>
+            <a:ext cx="3690728" cy="646331"/>
+          </a:xfrm>
+          <a:prstGeom prst="rect">
+            <a:avLst/>
+          </a:prstGeom>
+          <a:noFill/>
+        </p:spPr>
+        <p:txBody>
+          <a:bodyPr wrap="square" rtlCol="0">
+            <a:spAutoFit/>
+          </a:bodyPr>
+          <a:lstStyle/>
+          <a:p>
+            <a:r>
+              <a:rPr lang="fr-FR" dirty="0">
+                <a:solidFill>
+                  <a:srgbClr val="FF0000"/>
+                </a:solidFill>
+              </a:rPr>
+              <a:t>Change 2 : </a:t>
+            </a:r>
+            <a:r>
+              <a:rPr lang="fr-FR" dirty="0" err="1">
+                <a:solidFill>
+                  <a:srgbClr val="FF0000"/>
+                </a:solidFill>
+              </a:rPr>
+              <a:t>Describing</a:t>
+            </a:r>
+            <a:r>
+              <a:rPr lang="fr-FR" dirty="0">
+                <a:solidFill>
+                  <a:srgbClr val="FF0000"/>
+                </a:solidFill>
+              </a:rPr>
+              <a:t> the future </a:t>
+            </a:r>
+            <a:r>
+              <a:rPr lang="fr-FR" dirty="0" err="1">
+                <a:solidFill>
+                  <a:srgbClr val="FF0000"/>
+                </a:solidFill>
+              </a:rPr>
+              <a:t>work</a:t>
+            </a:r>
+            <a:r>
+              <a:rPr lang="fr-FR" dirty="0">
+                <a:solidFill>
+                  <a:srgbClr val="FF0000"/>
+                </a:solidFill>
+              </a:rPr>
+              <a:t> i </a:t>
+            </a:r>
+            <a:r>
+              <a:rPr lang="fr-FR" dirty="0" err="1">
+                <a:solidFill>
+                  <a:srgbClr val="FF0000"/>
+                </a:solidFill>
+              </a:rPr>
+              <a:t>wanna</a:t>
+            </a:r>
+            <a:r>
+              <a:rPr lang="fr-FR" dirty="0">
+                <a:solidFill>
+                  <a:srgbClr val="FF0000"/>
+                </a:solidFill>
+              </a:rPr>
+              <a:t> </a:t>
+            </a:r>
+          </a:p>
+        </p:txBody>
+      </p:sp>
+      <p:sp>
+        <p:nvSpPr>
+          <p:cNvPr id="6" name="ZoneTexte 5">
+            <a:extLst>
+              <a:ext uri="{FF2B5EF4-FFF2-40B4-BE49-F238E27FC236}">
+                <a16:creationId xmlns:a16="http://schemas.microsoft.com/office/drawing/2014/main" id="{6C51F728-8D7C-B5FC-1C43-5FFC729F213F}"/>
+              </a:ext>
+            </a:extLst>
+          </p:cNvPr>
+          <p:cNvSpPr txBox="1"/>
+          <p:nvPr/>
+        </p:nvSpPr>
+        <p:spPr>
+          <a:xfrm>
+            <a:off x="197329" y="597508"/>
             <a:ext cx="3690728" cy="369332"/>
           </a:xfrm>
           <a:prstGeom prst="rect">
@@ -9973,12 +10060,20 @@
           <a:lstStyle/>
           <a:p>
             <a:r>
+              <a:rPr lang="fr-FR" dirty="0">
+                <a:solidFill>
+                  <a:srgbClr val="FF0000"/>
+                </a:solidFill>
+              </a:rPr>
+              <a:t>Change 1 : </a:t>
+            </a:r>
+            <a:r>
               <a:rPr lang="fr-FR" dirty="0" err="1">
                 <a:solidFill>
                   <a:srgbClr val="FF0000"/>
                 </a:solidFill>
               </a:rPr>
-              <a:t>Adding</a:t>
+              <a:t>added</a:t>
             </a:r>
             <a:r>
               <a:rPr lang="fr-FR" dirty="0">
@@ -9986,23 +10081,7 @@
                   <a:srgbClr val="FF0000"/>
                 </a:solidFill>
               </a:rPr>
-              <a:t> </a:t>
-            </a:r>
-            <a:r>
-              <a:rPr lang="fr-FR" dirty="0" err="1">
-                <a:solidFill>
-                  <a:srgbClr val="FF0000"/>
-                </a:solidFill>
-              </a:rPr>
-              <a:t>this</a:t>
-            </a:r>
-            <a:r>
-              <a:rPr lang="fr-FR" dirty="0">
-                <a:solidFill>
-                  <a:srgbClr val="FF0000"/>
-                </a:solidFill>
-              </a:rPr>
-              <a:t> diapo</a:t>
+              <a:t> a diapo</a:t>
             </a:r>
           </a:p>
         </p:txBody>

--- a/2ANSETAT.pptx
+++ b/2ANSETAT.pptx
@@ -10086,6 +10086,45 @@
           </a:p>
         </p:txBody>
       </p:sp>
+      <p:sp>
+        <p:nvSpPr>
+          <p:cNvPr id="7" name="ZoneTexte 6">
+            <a:extLst>
+              <a:ext uri="{FF2B5EF4-FFF2-40B4-BE49-F238E27FC236}">
+                <a16:creationId xmlns:a16="http://schemas.microsoft.com/office/drawing/2014/main" id="{E8C23606-9999-F124-0D02-B44AA834C336}"/>
+              </a:ext>
+            </a:extLst>
+          </p:cNvPr>
+          <p:cNvSpPr txBox="1"/>
+          <p:nvPr/>
+        </p:nvSpPr>
+        <p:spPr>
+          <a:xfrm>
+            <a:off x="259030" y="2216911"/>
+            <a:ext cx="3690728" cy="369332"/>
+          </a:xfrm>
+          <a:prstGeom prst="rect">
+            <a:avLst/>
+          </a:prstGeom>
+          <a:noFill/>
+        </p:spPr>
+        <p:txBody>
+          <a:bodyPr wrap="square" rtlCol="0">
+            <a:spAutoFit/>
+          </a:bodyPr>
+          <a:lstStyle/>
+          <a:p>
+            <a:r>
+              <a:rPr lang="fr-FR" dirty="0">
+                <a:solidFill>
+                  <a:srgbClr val="FF0000"/>
+                </a:solidFill>
+              </a:rPr>
+              <a:t>Change 3 : Correction d’une faute</a:t>
+            </a:r>
+          </a:p>
+        </p:txBody>
+      </p:sp>
     </p:spTree>
     <p:extLst>
       <p:ext uri="{BB962C8B-B14F-4D97-AF65-F5344CB8AC3E}">
